--- a/InfoSec/PPTs/CH07-DoS Attacks NEW.pptx
+++ b/InfoSec/PPTs/CH07-DoS Attacks NEW.pptx
@@ -339,7 +339,7 @@
             <a:fld id="{999DDEF9-8F79-3F4A-8C1A-CB2E900DCD92}" type="datetimeFigureOut">
               <a:rPr lang="en-US" smtClean="0"/>
               <a:pPr/>
-              <a:t>4/20/2020</a:t>
+              <a:t>4/21/2020</a:t>
             </a:fld>
             <a:endParaRPr lang="en-US"/>
           </a:p>
@@ -19025,31 +19025,39 @@
             <p:ph idx="1"/>
           </p:nvPr>
         </p:nvSpPr>
-        <p:spPr/>
+        <p:spPr>
+          <a:xfrm>
+            <a:off x="323528" y="1196752"/>
+            <a:ext cx="8568952" cy="5472607"/>
+          </a:xfrm>
+        </p:spPr>
         <p:txBody>
           <a:bodyPr>
-            <a:normAutofit fontScale="70000" lnSpcReduction="20000"/>
+            <a:normAutofit fontScale="77500" lnSpcReduction="20000"/>
           </a:bodyPr>
           <a:lstStyle/>
           <a:p>
             <a:r>
               <a:rPr lang="en-US" dirty="0"/>
-              <a:t>Use packets directed at a legitimate DNS server as the intermediary system</a:t>
+              <a:t>Leverage legitimate DNS servers as the intermediary system.</a:t>
             </a:r>
           </a:p>
           <a:p>
             <a:r>
               <a:rPr lang="en-US" dirty="0"/>
-              <a:t>Attacker creates a series of DNS requests containing the spoofed source address of the target system</a:t>
-            </a:r>
-          </a:p>
-          <a:p>
+              <a:t>Attacker </a:t>
+            </a:r>
+            <a:r>
+              <a:rPr lang="en-US"/>
+              <a:t>issues DNS </a:t>
+            </a:r>
             <a:r>
               <a:rPr lang="en-US" dirty="0"/>
-              <a:t>Different from DNS Reﬂection Attack, this attack exploits DNS behavior to convert a small request to a much larger response (amplification) to flood the target with responses</a:t>
-            </a:r>
-          </a:p>
-          <a:p>
+              <a:t>queries containing the spoofed source IP address of the target system</a:t>
+            </a:r>
+          </a:p>
+          <a:p>
+            <a:pPr lvl="1"/>
             <a:r>
               <a:rPr lang="en-US" dirty="0"/>
               <a:t>Using the classic DNS protocol, a 60-byte UDP request packet can easily result in a 512-byte UDP response, the maximum traditionally allowed. </a:t>
@@ -19060,6 +19068,12 @@
             <a:r>
               <a:rPr lang="en-US" dirty="0"/>
               <a:t>The extended DNS protocol allows much larger responses of over 4 KB to support extended DNS features such as IPv6, security, etc. </a:t>
+            </a:r>
+          </a:p>
+          <a:p>
+            <a:r>
+              <a:rPr lang="en-US" dirty="0"/>
+              <a:t>Different from DNS Reﬂection Attack, this attack exploits DNS behavior to convert a small request to a much larger response (amplification) to flood the target with responses.</a:t>
             </a:r>
           </a:p>
           <a:p>
